--- a/Machine-Learning/4.9 Naive Bayes/0 BayesTheorem.pptx
+++ b/Machine-Learning/4.9 Naive Bayes/0 BayesTheorem.pptx
@@ -277,7 +277,7 @@
           <a:p>
             <a:fld id="{DEE881C5-C40C-46AE-B142-F7F3F0A1C896}" type="datetimeFigureOut">
               <a:rPr lang="en-US" smtClean="0"/>
-              <a:t>6/15/2019</a:t>
+              <a:t>7/6/2019</a:t>
             </a:fld>
             <a:endParaRPr lang="en-US"/>
           </a:p>
@@ -685,7 +685,7 @@
           <a:p>
             <a:fld id="{051F961C-2C06-44AD-B09C-3FDB0903E3DD}" type="datetimeFigureOut">
               <a:rPr lang="en-US" smtClean="0"/>
-              <a:t>6/15/2019</a:t>
+              <a:t>7/6/2019</a:t>
             </a:fld>
             <a:endParaRPr lang="en-US"/>
           </a:p>
@@ -1043,7 +1043,7 @@
           <a:p>
             <a:fld id="{051F961C-2C06-44AD-B09C-3FDB0903E3DD}" type="datetimeFigureOut">
               <a:rPr lang="en-US" smtClean="0"/>
-              <a:t>6/15/2019</a:t>
+              <a:t>7/6/2019</a:t>
             </a:fld>
             <a:endParaRPr lang="en-US"/>
           </a:p>
@@ -1217,7 +1217,7 @@
           <a:p>
             <a:fld id="{051F961C-2C06-44AD-B09C-3FDB0903E3DD}" type="datetimeFigureOut">
               <a:rPr lang="en-US" smtClean="0"/>
-              <a:t>6/15/2019</a:t>
+              <a:t>7/6/2019</a:t>
             </a:fld>
             <a:endParaRPr lang="en-US"/>
           </a:p>
@@ -1451,7 +1451,7 @@
           <a:p>
             <a:fld id="{051F961C-2C06-44AD-B09C-3FDB0903E3DD}" type="datetimeFigureOut">
               <a:rPr lang="en-US" smtClean="0"/>
-              <a:t>6/15/2019</a:t>
+              <a:t>7/6/2019</a:t>
             </a:fld>
             <a:endParaRPr lang="en-US"/>
           </a:p>
@@ -1719,7 +1719,7 @@
           <a:p>
             <a:fld id="{051F961C-2C06-44AD-B09C-3FDB0903E3DD}" type="datetimeFigureOut">
               <a:rPr lang="en-US" smtClean="0"/>
-              <a:t>6/15/2019</a:t>
+              <a:t>7/6/2019</a:t>
             </a:fld>
             <a:endParaRPr lang="en-US"/>
           </a:p>
@@ -1938,7 +1938,7 @@
           <a:p>
             <a:fld id="{051F961C-2C06-44AD-B09C-3FDB0903E3DD}" type="datetimeFigureOut">
               <a:rPr lang="en-US" smtClean="0"/>
-              <a:t>6/15/2019</a:t>
+              <a:t>7/6/2019</a:t>
             </a:fld>
             <a:endParaRPr lang="en-US"/>
           </a:p>
@@ -2289,7 +2289,7 @@
           <a:p>
             <a:fld id="{051F961C-2C06-44AD-B09C-3FDB0903E3DD}" type="datetimeFigureOut">
               <a:rPr lang="en-US" smtClean="0"/>
-              <a:t>6/15/2019</a:t>
+              <a:t>7/6/2019</a:t>
             </a:fld>
             <a:endParaRPr lang="en-US"/>
           </a:p>
@@ -2520,7 +2520,7 @@
           <a:p>
             <a:fld id="{051F961C-2C06-44AD-B09C-3FDB0903E3DD}" type="datetimeFigureOut">
               <a:rPr lang="en-US" smtClean="0"/>
-              <a:t>6/15/2019</a:t>
+              <a:t>7/6/2019</a:t>
             </a:fld>
             <a:endParaRPr lang="en-US"/>
           </a:p>
@@ -2660,7 +2660,7 @@
           <a:p>
             <a:fld id="{051F961C-2C06-44AD-B09C-3FDB0903E3DD}" type="datetimeFigureOut">
               <a:rPr lang="en-US" smtClean="0"/>
-              <a:t>6/15/2019</a:t>
+              <a:t>7/6/2019</a:t>
             </a:fld>
             <a:endParaRPr lang="en-US"/>
           </a:p>
@@ -2936,7 +2936,7 @@
           <a:p>
             <a:fld id="{051F961C-2C06-44AD-B09C-3FDB0903E3DD}" type="datetimeFigureOut">
               <a:rPr lang="en-US" smtClean="0"/>
-              <a:t>6/15/2019</a:t>
+              <a:t>7/6/2019</a:t>
             </a:fld>
             <a:endParaRPr lang="en-US"/>
           </a:p>
@@ -3342,7 +3342,7 @@
           <a:p>
             <a:fld id="{051F961C-2C06-44AD-B09C-3FDB0903E3DD}" type="datetimeFigureOut">
               <a:rPr lang="en-US" smtClean="0"/>
-              <a:t>6/15/2019</a:t>
+              <a:t>7/6/2019</a:t>
             </a:fld>
             <a:endParaRPr lang="en-US"/>
           </a:p>
@@ -3678,7 +3678,7 @@
           <a:p>
             <a:fld id="{051F961C-2C06-44AD-B09C-3FDB0903E3DD}" type="datetimeFigureOut">
               <a:rPr lang="en-US" smtClean="0"/>
-              <a:t>6/15/2019</a:t>
+              <a:t>7/6/2019</a:t>
             </a:fld>
             <a:endParaRPr lang="en-US"/>
           </a:p>
@@ -6636,7 +6636,7 @@
                 <a:latin typeface="Calibri" pitchFamily="34" charset="0"/>
                 <a:cs typeface="Calibri" pitchFamily="34" charset="0"/>
               </a:rPr>
-              <a:t>P(Walks) = 4 / 30 </a:t>
+              <a:t>P(X) = 4 / 30 </a:t>
             </a:r>
           </a:p>
         </p:txBody>
@@ -9833,7 +9833,7 @@
                 <a:latin typeface="Calibri" pitchFamily="34" charset="0"/>
                 <a:cs typeface="Calibri" pitchFamily="34" charset="0"/>
               </a:rPr>
-              <a:t>i.e. 1.25% probability that the machine 2 will produce a defective part.</a:t>
+              <a:t>i.e. 1.25% of the parts that machine 2 will produce are defective part.</a:t>
             </a:r>
           </a:p>
           <a:p>
